--- a/web/e21/uge_3b/Quiz-Uge3-Torsdag.pptx
+++ b/web/e21/uge_3b/Quiz-Uge3-Torsdag.pptx
@@ -6660,30 +6660,6 @@
           </a:p>
         </p:txBody>
       </p:sp>
-      <p:pic>
-        <p:nvPicPr>
-          <p:cNvPr id="26" name="Picture 25"/>
-          <p:cNvPicPr>
-            <a:picLocks noChangeAspect="1"/>
-          </p:cNvPicPr>
-          <p:nvPr/>
-        </p:nvPicPr>
-        <p:blipFill>
-          <a:blip r:embed="rId3"/>
-          <a:stretch>
-            <a:fillRect/>
-          </a:stretch>
-        </p:blipFill>
-        <p:spPr>
-          <a:xfrm>
-            <a:off x="1415142" y="2624711"/>
-            <a:ext cx="2140383" cy="256526"/>
-          </a:xfrm>
-          <a:prstGeom prst="rect">
-            <a:avLst/>
-          </a:prstGeom>
-        </p:spPr>
-      </p:pic>
       <p:sp>
         <p:nvSpPr>
           <p:cNvPr id="27" name="Rectangle 26"/>
@@ -7125,6 +7101,30 @@
           </a:p>
         </p:txBody>
       </p:sp>
+      <p:pic>
+        <p:nvPicPr>
+          <p:cNvPr id="2" name="Picture 1"/>
+          <p:cNvPicPr>
+            <a:picLocks noChangeAspect="1"/>
+          </p:cNvPicPr>
+          <p:nvPr/>
+        </p:nvPicPr>
+        <p:blipFill>
+          <a:blip r:embed="rId3"/>
+          <a:stretch>
+            <a:fillRect/>
+          </a:stretch>
+        </p:blipFill>
+        <p:spPr>
+          <a:xfrm>
+            <a:off x="1387243" y="2639293"/>
+            <a:ext cx="1771897" cy="257211"/>
+          </a:xfrm>
+          <a:prstGeom prst="rect">
+            <a:avLst/>
+          </a:prstGeom>
+        </p:spPr>
+      </p:pic>
     </p:spTree>
     <p:extLst>
       <p:ext uri="{BB962C8B-B14F-4D97-AF65-F5344CB8AC3E}">
@@ -7223,7 +7223,7 @@
                                           </p:stCondLst>
                                         </p:cTn>
                                         <p:tgtEl>
-                                          <p:spTgt spid="26"/>
+                                          <p:spTgt spid="2"/>
                                         </p:tgtEl>
                                         <p:attrNameLst>
                                           <p:attrName>style.visibility</p:attrName>
@@ -9393,8 +9393,8 @@
         </p:nvSpPr>
         <p:spPr bwMode="auto">
           <a:xfrm>
-            <a:off x="3185628" y="4677298"/>
-            <a:ext cx="3459741" cy="333002"/>
+            <a:off x="3779912" y="4677298"/>
+            <a:ext cx="2865457" cy="333002"/>
           </a:xfrm>
           <a:prstGeom prst="rect">
             <a:avLst/>
@@ -9855,30 +9855,6 @@
           </a:p>
         </p:txBody>
       </p:sp>
-      <p:pic>
-        <p:nvPicPr>
-          <p:cNvPr id="2" name="Picture 1"/>
-          <p:cNvPicPr>
-            <a:picLocks noChangeAspect="1"/>
-          </p:cNvPicPr>
-          <p:nvPr/>
-        </p:nvPicPr>
-        <p:blipFill>
-          <a:blip r:embed="rId3"/>
-          <a:stretch>
-            <a:fillRect/>
-          </a:stretch>
-        </p:blipFill>
-        <p:spPr>
-          <a:xfrm>
-            <a:off x="2653210" y="4442196"/>
-            <a:ext cx="4152900" cy="266700"/>
-          </a:xfrm>
-          <a:prstGeom prst="rect">
-            <a:avLst/>
-          </a:prstGeom>
-        </p:spPr>
-      </p:pic>
       <p:sp>
         <p:nvSpPr>
           <p:cNvPr id="37" name="TextBox 36"/>
@@ -10584,7 +10560,7 @@
         </p:nvSpPr>
         <p:spPr bwMode="auto">
           <a:xfrm>
-            <a:off x="3984964" y="6461261"/>
+            <a:off x="6413209" y="5566978"/>
             <a:ext cx="2652721" cy="333002"/>
           </a:xfrm>
           <a:prstGeom prst="rect">
@@ -11172,30 +11148,6 @@
           </a:p>
         </p:txBody>
       </p:sp>
-      <p:pic>
-        <p:nvPicPr>
-          <p:cNvPr id="3" name="Picture 2"/>
-          <p:cNvPicPr>
-            <a:picLocks noChangeAspect="1"/>
-          </p:cNvPicPr>
-          <p:nvPr/>
-        </p:nvPicPr>
-        <p:blipFill>
-          <a:blip r:embed="rId4"/>
-          <a:stretch>
-            <a:fillRect/>
-          </a:stretch>
-        </p:blipFill>
-        <p:spPr>
-          <a:xfrm>
-            <a:off x="2411760" y="6201212"/>
-            <a:ext cx="3343275" cy="295275"/>
-          </a:xfrm>
-          <a:prstGeom prst="rect">
-            <a:avLst/>
-          </a:prstGeom>
-        </p:spPr>
-      </p:pic>
       <p:sp>
         <p:nvSpPr>
           <p:cNvPr id="52" name="Rectangle 51"/>
@@ -11628,6 +11580,54 @@
           </a:p>
         </p:txBody>
       </p:sp>
+      <p:pic>
+        <p:nvPicPr>
+          <p:cNvPr id="4" name="Picture 3"/>
+          <p:cNvPicPr>
+            <a:picLocks noChangeAspect="1"/>
+          </p:cNvPicPr>
+          <p:nvPr/>
+        </p:nvPicPr>
+        <p:blipFill>
+          <a:blip r:embed="rId3"/>
+          <a:stretch>
+            <a:fillRect/>
+          </a:stretch>
+        </p:blipFill>
+        <p:spPr>
+          <a:xfrm>
+            <a:off x="2962085" y="4405113"/>
+            <a:ext cx="3162490" cy="276441"/>
+          </a:xfrm>
+          <a:prstGeom prst="rect">
+            <a:avLst/>
+          </a:prstGeom>
+        </p:spPr>
+      </p:pic>
+      <p:pic>
+        <p:nvPicPr>
+          <p:cNvPr id="5" name="Picture 4"/>
+          <p:cNvPicPr>
+            <a:picLocks noChangeAspect="1"/>
+          </p:cNvPicPr>
+          <p:nvPr/>
+        </p:nvPicPr>
+        <p:blipFill>
+          <a:blip r:embed="rId4"/>
+          <a:stretch>
+            <a:fillRect/>
+          </a:stretch>
+        </p:blipFill>
+        <p:spPr>
+          <a:xfrm>
+            <a:off x="3105855" y="6202075"/>
+            <a:ext cx="2690383" cy="645254"/>
+          </a:xfrm>
+          <a:prstGeom prst="rect">
+            <a:avLst/>
+          </a:prstGeom>
+        </p:spPr>
+      </p:pic>
     </p:spTree>
     <p:extLst>
       <p:ext uri="{BB962C8B-B14F-4D97-AF65-F5344CB8AC3E}">
@@ -11852,7 +11852,7 @@
                                           </p:stCondLst>
                                         </p:cTn>
                                         <p:tgtEl>
-                                          <p:spTgt spid="2"/>
+                                          <p:spTgt spid="4"/>
                                         </p:tgtEl>
                                         <p:attrNameLst>
                                           <p:attrName>style.visibility</p:attrName>
@@ -12091,7 +12091,7 @@
                                 </p:cTn>
                               </p:par>
                               <p:par>
-                                <p:cTn id="39" presetID="1" presetClass="entr" presetSubtype="0" fill="hold" nodeType="withEffect">
+                                <p:cTn id="39" presetID="1" presetClass="entr" presetSubtype="0" fill="hold" grpId="0" nodeType="withEffect">
                                   <p:stCondLst>
                                     <p:cond delay="0"/>
                                   </p:stCondLst>
@@ -12104,7 +12104,7 @@
                                           </p:stCondLst>
                                         </p:cTn>
                                         <p:tgtEl>
-                                          <p:spTgt spid="3"/>
+                                          <p:spTgt spid="52"/>
                                         </p:tgtEl>
                                         <p:attrNameLst>
                                           <p:attrName>style.visibility</p:attrName>
@@ -12118,7 +12118,7 @@
                                 </p:cTn>
                               </p:par>
                               <p:par>
-                                <p:cTn id="41" presetID="1" presetClass="entr" presetSubtype="0" fill="hold" grpId="0" nodeType="withEffect">
+                                <p:cTn id="41" presetID="1" presetClass="entr" presetSubtype="0" fill="hold" nodeType="withEffect">
                                   <p:stCondLst>
                                     <p:cond delay="0"/>
                                   </p:stCondLst>
@@ -12131,7 +12131,7 @@
                                           </p:stCondLst>
                                         </p:cTn>
                                         <p:tgtEl>
-                                          <p:spTgt spid="52"/>
+                                          <p:spTgt spid="5"/>
                                         </p:tgtEl>
                                         <p:attrNameLst>
                                           <p:attrName>style.visibility</p:attrName>
@@ -14245,8 +14245,8 @@
         </p:nvSpPr>
         <p:spPr bwMode="auto">
           <a:xfrm>
-            <a:off x="3008048" y="5811505"/>
-            <a:ext cx="3830072" cy="435614"/>
+            <a:off x="3635896" y="5811505"/>
+            <a:ext cx="3202224" cy="435614"/>
           </a:xfrm>
           <a:prstGeom prst="rect">
             <a:avLst/>
@@ -14728,7 +14728,7 @@
       </p:sp>
       <p:pic>
         <p:nvPicPr>
-          <p:cNvPr id="2" name="Picture 1"/>
+          <p:cNvPr id="3" name="Picture 2"/>
           <p:cNvPicPr>
             <a:picLocks noChangeAspect="1"/>
           </p:cNvPicPr>
@@ -14742,8 +14742,8 @@
         </p:blipFill>
         <p:spPr>
           <a:xfrm>
-            <a:off x="1835696" y="5263176"/>
-            <a:ext cx="5523721" cy="386964"/>
+            <a:off x="1968986" y="5298802"/>
+            <a:ext cx="6491446" cy="321996"/>
           </a:xfrm>
           <a:prstGeom prst="rect">
             <a:avLst/>
@@ -14920,7 +14920,7 @@
                                           </p:stCondLst>
                                         </p:cTn>
                                         <p:tgtEl>
-                                          <p:spTgt spid="2"/>
+                                          <p:spTgt spid="3"/>
                                         </p:tgtEl>
                                         <p:attrNameLst>
                                           <p:attrName>style.visibility</p:attrName>
@@ -15557,11 +15557,7 @@
             </a:r>
             <a:r>
               <a:rPr lang="da-DK" altLang="da-DK" dirty="0" smtClean="0"/>
-              <a:t> </a:t>
-            </a:r>
-            <a:r>
-              <a:rPr lang="da-DK" altLang="da-DK" dirty="0" smtClean="0"/>
-              <a:t>af de fire figurer tegnes, hvis parameterværdien sættes til 6?</a:t>
+              <a:t> af de fire figurer tegnes, hvis parameterværdien sættes til 6?</a:t>
             </a:r>
             <a:endParaRPr lang="da-DK" altLang="da-DK" dirty="0"/>
           </a:p>
